--- a/Week_2_presentation.pptx
+++ b/Week_2_presentation.pptx
@@ -280,7 +280,7 @@
           <a:p>
             <a:fld id="{6EECE964-F870-0E41-9FE5-38142943DD71}" type="datetimeFigureOut">
               <a:rPr lang="en-US" smtClean="0"/>
-              <a:t>2021-03-05</a:t>
+              <a:t>2021-03-11</a:t>
             </a:fld>
             <a:endParaRPr lang="en-US"/>
           </a:p>
@@ -478,7 +478,7 @@
           <a:p>
             <a:fld id="{6EECE964-F870-0E41-9FE5-38142943DD71}" type="datetimeFigureOut">
               <a:rPr lang="en-US" smtClean="0"/>
-              <a:t>2021-03-05</a:t>
+              <a:t>2021-03-11</a:t>
             </a:fld>
             <a:endParaRPr lang="en-US"/>
           </a:p>
@@ -686,7 +686,7 @@
           <a:p>
             <a:fld id="{6EECE964-F870-0E41-9FE5-38142943DD71}" type="datetimeFigureOut">
               <a:rPr lang="en-US" smtClean="0"/>
-              <a:t>2021-03-05</a:t>
+              <a:t>2021-03-11</a:t>
             </a:fld>
             <a:endParaRPr lang="en-US"/>
           </a:p>
@@ -884,7 +884,7 @@
           <a:p>
             <a:fld id="{6EECE964-F870-0E41-9FE5-38142943DD71}" type="datetimeFigureOut">
               <a:rPr lang="en-US" smtClean="0"/>
-              <a:t>2021-03-05</a:t>
+              <a:t>2021-03-11</a:t>
             </a:fld>
             <a:endParaRPr lang="en-US"/>
           </a:p>
@@ -1159,7 +1159,7 @@
           <a:p>
             <a:fld id="{6EECE964-F870-0E41-9FE5-38142943DD71}" type="datetimeFigureOut">
               <a:rPr lang="en-US" smtClean="0"/>
-              <a:t>2021-03-05</a:t>
+              <a:t>2021-03-11</a:t>
             </a:fld>
             <a:endParaRPr lang="en-US"/>
           </a:p>
@@ -1424,7 +1424,7 @@
           <a:p>
             <a:fld id="{6EECE964-F870-0E41-9FE5-38142943DD71}" type="datetimeFigureOut">
               <a:rPr lang="en-US" smtClean="0"/>
-              <a:t>2021-03-05</a:t>
+              <a:t>2021-03-11</a:t>
             </a:fld>
             <a:endParaRPr lang="en-US"/>
           </a:p>
@@ -1836,7 +1836,7 @@
           <a:p>
             <a:fld id="{6EECE964-F870-0E41-9FE5-38142943DD71}" type="datetimeFigureOut">
               <a:rPr lang="en-US" smtClean="0"/>
-              <a:t>2021-03-05</a:t>
+              <a:t>2021-03-11</a:t>
             </a:fld>
             <a:endParaRPr lang="en-US"/>
           </a:p>
@@ -1977,7 +1977,7 @@
           <a:p>
             <a:fld id="{6EECE964-F870-0E41-9FE5-38142943DD71}" type="datetimeFigureOut">
               <a:rPr lang="en-US" smtClean="0"/>
-              <a:t>2021-03-05</a:t>
+              <a:t>2021-03-11</a:t>
             </a:fld>
             <a:endParaRPr lang="en-US"/>
           </a:p>
@@ -2090,7 +2090,7 @@
           <a:p>
             <a:fld id="{6EECE964-F870-0E41-9FE5-38142943DD71}" type="datetimeFigureOut">
               <a:rPr lang="en-US" smtClean="0"/>
-              <a:t>2021-03-05</a:t>
+              <a:t>2021-03-11</a:t>
             </a:fld>
             <a:endParaRPr lang="en-US"/>
           </a:p>
@@ -2401,7 +2401,7 @@
           <a:p>
             <a:fld id="{6EECE964-F870-0E41-9FE5-38142943DD71}" type="datetimeFigureOut">
               <a:rPr lang="en-US" smtClean="0"/>
-              <a:t>2021-03-05</a:t>
+              <a:t>2021-03-11</a:t>
             </a:fld>
             <a:endParaRPr lang="en-US"/>
           </a:p>
@@ -2689,7 +2689,7 @@
           <a:p>
             <a:fld id="{6EECE964-F870-0E41-9FE5-38142943DD71}" type="datetimeFigureOut">
               <a:rPr lang="en-US" smtClean="0"/>
-              <a:t>2021-03-05</a:t>
+              <a:t>2021-03-11</a:t>
             </a:fld>
             <a:endParaRPr lang="en-US"/>
           </a:p>
@@ -2930,7 +2930,7 @@
           <a:p>
             <a:fld id="{6EECE964-F870-0E41-9FE5-38142943DD71}" type="datetimeFigureOut">
               <a:rPr lang="en-US" smtClean="0"/>
-              <a:t>2021-03-05</a:t>
+              <a:t>2021-03-11</a:t>
             </a:fld>
             <a:endParaRPr lang="en-US"/>
           </a:p>
@@ -3408,7 +3408,7 @@
         <p:spPr>
           <a:xfrm>
             <a:off x="870857" y="2380343"/>
-            <a:ext cx="8873711" cy="2539157"/>
+            <a:ext cx="8873711" cy="3647152"/>
           </a:xfrm>
           <a:prstGeom prst="rect">
             <a:avLst/>
@@ -3445,7 +3445,46 @@
             </a:r>
           </a:p>
           <a:p>
-            <a:endParaRPr lang="en-US" sz="4000" dirty="0"/>
+            <a:endParaRPr lang="en-US" sz="2800" dirty="0">
+              <a:solidFill>
+                <a:schemeClr val="bg2"/>
+              </a:solidFill>
+            </a:endParaRPr>
+          </a:p>
+          <a:p>
+            <a:r>
+              <a:rPr lang="en-US" sz="2800" dirty="0">
+                <a:solidFill>
+                  <a:schemeClr val="bg2"/>
+                </a:solidFill>
+              </a:rPr>
+              <a:t>Amr Osama</a:t>
+            </a:r>
+          </a:p>
+          <a:p>
+            <a:r>
+              <a:rPr lang="en-US" sz="2800" dirty="0">
+                <a:solidFill>
+                  <a:schemeClr val="bg2"/>
+                </a:solidFill>
+              </a:rPr>
+              <a:t>Egypt</a:t>
+            </a:r>
+          </a:p>
+          <a:p>
+            <a:r>
+              <a:rPr lang="en-US" sz="2800" dirty="0">
+                <a:solidFill>
+                  <a:schemeClr val="bg2"/>
+                </a:solidFill>
+              </a:rPr>
+              <a:t>Data Analytics Team</a:t>
+            </a:r>
+            <a:endParaRPr lang="en-US" sz="2500" dirty="0">
+              <a:solidFill>
+                <a:srgbClr val="FF6600"/>
+              </a:solidFill>
+            </a:endParaRPr>
           </a:p>
           <a:p>
             <a:r>
